--- a/Time-Card/ДОКУМЕНТЫ/МАТЕРИАЛ СТАТЬИ/Программное обеспечение сервера времени.pptx
+++ b/Time-Card/ДОКУМЕНТЫ/МАТЕРИАЛ СТАТЬИ/Программное обеспечение сервера времени.pptx
@@ -14,8 +14,6 @@
     <p:sldId id="267" r:id="rId8"/>
     <p:sldId id="266" r:id="rId9"/>
     <p:sldId id="262" r:id="rId10"/>
-    <p:sldId id="263" r:id="rId11"/>
-    <p:sldId id="264" r:id="rId12"/>
   </p:sldIdLst>
   <p:sldSz cx="12192000" cy="6858000"/>
   <p:notesSz cx="6858000" cy="9144000"/>
@@ -114,6 +112,11 @@
       </a:defRPr>
     </a:lvl9pPr>
   </p:defaultTextStyle>
+  <p:extLst>
+    <p:ext uri="{EFAFB233-063F-42B5-8137-9DF3F51BA10A}">
+      <p15:sldGuideLst xmlns:p15="http://schemas.microsoft.com/office/powerpoint/2012/main"/>
+    </p:ext>
+  </p:extLst>
 </p:presentation>
 </file>
 
@@ -264,7 +267,7 @@
           <a:p>
             <a:fld id="{92E17746-9EDC-42BB-9930-B75EC2116B98}" type="datetimeFigureOut">
               <a:rPr lang="ru-RU" smtClean="0"/>
-              <a:t>12.11.2024</a:t>
+              <a:t>16.11.2024</a:t>
             </a:fld>
             <a:endParaRPr lang="ru-RU"/>
           </a:p>
@@ -462,7 +465,7 @@
           <a:p>
             <a:fld id="{92E17746-9EDC-42BB-9930-B75EC2116B98}" type="datetimeFigureOut">
               <a:rPr lang="ru-RU" smtClean="0"/>
-              <a:t>12.11.2024</a:t>
+              <a:t>16.11.2024</a:t>
             </a:fld>
             <a:endParaRPr lang="ru-RU"/>
           </a:p>
@@ -670,7 +673,7 @@
           <a:p>
             <a:fld id="{92E17746-9EDC-42BB-9930-B75EC2116B98}" type="datetimeFigureOut">
               <a:rPr lang="ru-RU" smtClean="0"/>
-              <a:t>12.11.2024</a:t>
+              <a:t>16.11.2024</a:t>
             </a:fld>
             <a:endParaRPr lang="ru-RU"/>
           </a:p>
@@ -868,7 +871,7 @@
           <a:p>
             <a:fld id="{92E17746-9EDC-42BB-9930-B75EC2116B98}" type="datetimeFigureOut">
               <a:rPr lang="ru-RU" smtClean="0"/>
-              <a:t>12.11.2024</a:t>
+              <a:t>16.11.2024</a:t>
             </a:fld>
             <a:endParaRPr lang="ru-RU"/>
           </a:p>
@@ -1143,7 +1146,7 @@
           <a:p>
             <a:fld id="{92E17746-9EDC-42BB-9930-B75EC2116B98}" type="datetimeFigureOut">
               <a:rPr lang="ru-RU" smtClean="0"/>
-              <a:t>12.11.2024</a:t>
+              <a:t>16.11.2024</a:t>
             </a:fld>
             <a:endParaRPr lang="ru-RU"/>
           </a:p>
@@ -1408,7 +1411,7 @@
           <a:p>
             <a:fld id="{92E17746-9EDC-42BB-9930-B75EC2116B98}" type="datetimeFigureOut">
               <a:rPr lang="ru-RU" smtClean="0"/>
-              <a:t>12.11.2024</a:t>
+              <a:t>16.11.2024</a:t>
             </a:fld>
             <a:endParaRPr lang="ru-RU"/>
           </a:p>
@@ -1820,7 +1823,7 @@
           <a:p>
             <a:fld id="{92E17746-9EDC-42BB-9930-B75EC2116B98}" type="datetimeFigureOut">
               <a:rPr lang="ru-RU" smtClean="0"/>
-              <a:t>12.11.2024</a:t>
+              <a:t>16.11.2024</a:t>
             </a:fld>
             <a:endParaRPr lang="ru-RU"/>
           </a:p>
@@ -1961,7 +1964,7 @@
           <a:p>
             <a:fld id="{92E17746-9EDC-42BB-9930-B75EC2116B98}" type="datetimeFigureOut">
               <a:rPr lang="ru-RU" smtClean="0"/>
-              <a:t>12.11.2024</a:t>
+              <a:t>16.11.2024</a:t>
             </a:fld>
             <a:endParaRPr lang="ru-RU"/>
           </a:p>
@@ -2074,7 +2077,7 @@
           <a:p>
             <a:fld id="{92E17746-9EDC-42BB-9930-B75EC2116B98}" type="datetimeFigureOut">
               <a:rPr lang="ru-RU" smtClean="0"/>
-              <a:t>12.11.2024</a:t>
+              <a:t>16.11.2024</a:t>
             </a:fld>
             <a:endParaRPr lang="ru-RU"/>
           </a:p>
@@ -2385,7 +2388,7 @@
           <a:p>
             <a:fld id="{92E17746-9EDC-42BB-9930-B75EC2116B98}" type="datetimeFigureOut">
               <a:rPr lang="ru-RU" smtClean="0"/>
-              <a:t>12.11.2024</a:t>
+              <a:t>16.11.2024</a:t>
             </a:fld>
             <a:endParaRPr lang="ru-RU"/>
           </a:p>
@@ -2673,7 +2676,7 @@
           <a:p>
             <a:fld id="{92E17746-9EDC-42BB-9930-B75EC2116B98}" type="datetimeFigureOut">
               <a:rPr lang="ru-RU" smtClean="0"/>
-              <a:t>12.11.2024</a:t>
+              <a:t>16.11.2024</a:t>
             </a:fld>
             <a:endParaRPr lang="ru-RU"/>
           </a:p>
@@ -2914,7 +2917,7 @@
           <a:p>
             <a:fld id="{92E17746-9EDC-42BB-9930-B75EC2116B98}" type="datetimeFigureOut">
               <a:rPr lang="ru-RU" smtClean="0"/>
-              <a:t>12.11.2024</a:t>
+              <a:t>16.11.2024</a:t>
             </a:fld>
             <a:endParaRPr lang="ru-RU"/>
           </a:p>
@@ -3349,7 +3352,7 @@
         </p:nvSpPr>
         <p:spPr>
           <a:xfrm>
-            <a:off x="1138177" y="1573776"/>
+            <a:off x="1138177" y="1708246"/>
             <a:ext cx="9915646" cy="2387600"/>
           </a:xfrm>
         </p:spPr>
@@ -3364,7 +3367,7 @@
                 <a:effectLst/>
                 <a:latin typeface="wfont_39ad6e_33aea89a2865424994966508773fdbf1"/>
               </a:rPr>
-              <a:t>Программное обеспечение сервера времени</a:t>
+              <a:t>Программное обеспечение для высокоточной синхронизации</a:t>
             </a:r>
             <a:br>
               <a:rPr lang="ru-RU" b="1" i="0" u="none" strike="noStrike" cap="all" dirty="0">
@@ -3430,465 +3433,6 @@
     <p:extLst>
       <p:ext uri="{BB962C8B-B14F-4D97-AF65-F5344CB8AC3E}">
         <p14:creationId xmlns:p14="http://schemas.microsoft.com/office/powerpoint/2010/main" val="2939307298"/>
-      </p:ext>
-    </p:extLst>
-  </p:cSld>
-  <p:clrMapOvr>
-    <a:masterClrMapping/>
-  </p:clrMapOvr>
-</p:sld>
-</file>
-
-<file path=ppt/slides/slide10.xml><?xml version="1.0" encoding="utf-8"?>
-<p:sld xmlns:a="http://schemas.openxmlformats.org/drawingml/2006/main" xmlns:r="http://schemas.openxmlformats.org/officeDocument/2006/relationships" xmlns:p="http://schemas.openxmlformats.org/presentationml/2006/main">
-  <p:cSld>
-    <p:spTree>
-      <p:nvGrpSpPr>
-        <p:cNvPr id="1" name=""/>
-        <p:cNvGrpSpPr/>
-        <p:nvPr/>
-      </p:nvGrpSpPr>
-      <p:grpSpPr>
-        <a:xfrm>
-          <a:off x="0" y="0"/>
-          <a:ext cx="0" cy="0"/>
-          <a:chOff x="0" y="0"/>
-          <a:chExt cx="0" cy="0"/>
-        </a:xfrm>
-      </p:grpSpPr>
-      <p:sp>
-        <p:nvSpPr>
-          <p:cNvPr id="2" name="Заголовок 1">
-            <a:extLst>
-              <a:ext uri="{FF2B5EF4-FFF2-40B4-BE49-F238E27FC236}">
-                <a16:creationId xmlns:a16="http://schemas.microsoft.com/office/drawing/2014/main" id="{D65DF16D-299A-4906-834C-9D0E0FCA4143}"/>
-              </a:ext>
-            </a:extLst>
-          </p:cNvPr>
-          <p:cNvSpPr>
-            <a:spLocks noGrp="1"/>
-          </p:cNvSpPr>
-          <p:nvPr>
-            <p:ph type="title"/>
-          </p:nvPr>
-        </p:nvSpPr>
-        <p:spPr/>
-        <p:txBody>
-          <a:bodyPr/>
-          <a:lstStyle/>
-          <a:p>
-            <a:pPr algn="l" fontAlgn="base"/>
-            <a:r>
-              <a:rPr lang="ru-RU" b="1" i="0" u="none" strike="noStrike" cap="all" dirty="0">
-                <a:effectLst/>
-                <a:latin typeface="wfont_e588a2_e7097d7db2b34843a31400aec2089b83"/>
-              </a:rPr>
-              <a:t>решения для сервера синхронизации</a:t>
-            </a:r>
-          </a:p>
-        </p:txBody>
-      </p:sp>
-      <p:sp>
-        <p:nvSpPr>
-          <p:cNvPr id="3" name="Объект 2">
-            <a:extLst>
-              <a:ext uri="{FF2B5EF4-FFF2-40B4-BE49-F238E27FC236}">
-                <a16:creationId xmlns:a16="http://schemas.microsoft.com/office/drawing/2014/main" id="{AAFED50D-3C65-4083-A0C9-7C12DD4E4549}"/>
-              </a:ext>
-            </a:extLst>
-          </p:cNvPr>
-          <p:cNvSpPr>
-            <a:spLocks noGrp="1"/>
-          </p:cNvSpPr>
-          <p:nvPr>
-            <p:ph idx="1"/>
-          </p:nvPr>
-        </p:nvSpPr>
-        <p:spPr>
-          <a:xfrm>
-            <a:off x="4999660" y="2362962"/>
-            <a:ext cx="7002684" cy="4351338"/>
-          </a:xfrm>
-        </p:spPr>
-        <p:txBody>
-          <a:bodyPr>
-            <a:normAutofit fontScale="70000" lnSpcReduction="20000"/>
-          </a:bodyPr>
-          <a:lstStyle/>
-          <a:p>
-            <a:r>
-              <a:rPr lang="ru-RU" dirty="0"/>
-              <a:t>Готовое к использованию устройство для синхронизации. Устойчивое, надежное и производительное устройство для синхронизации в компактном 19-дюймовом форм-факторе. Наши серверы </a:t>
-            </a:r>
-            <a:r>
-              <a:rPr lang="en-GB" dirty="0"/>
-              <a:t>-</a:t>
-            </a:r>
-            <a:r>
-              <a:rPr lang="ru-RU" dirty="0"/>
-              <a:t>оснащены модульными системами синхронизации, которые поддерживают IEEE-1588 PTP, NTP, PPS и </a:t>
-            </a:r>
-            <a:r>
-              <a:rPr lang="ru-RU" dirty="0" err="1"/>
-              <a:t>SyncE</a:t>
-            </a:r>
-            <a:r>
-              <a:rPr lang="ru-RU" dirty="0"/>
-              <a:t>. Карты высокой емкости упрощают интеграцию в сеть благодаря скорости портов от 1 Гбит/с до 200 Гбит/с.</a:t>
-            </a:r>
-          </a:p>
-          <a:p>
-            <a:pPr marL="0" indent="0">
-              <a:buNone/>
-            </a:pPr>
-            <a:endParaRPr lang="ru-RU" dirty="0"/>
-          </a:p>
-          <a:p>
-            <a:endParaRPr lang="ru-RU" dirty="0"/>
-          </a:p>
-          <a:p>
-            <a:r>
-              <a:rPr lang="ru-RU" dirty="0"/>
-              <a:t>Откажитесь от традиционного закрытого корпуса и используйте Open. Интегрируйтесь с внутренними системами мониторинга и сетевыми устройствами. Серверы </a:t>
-            </a:r>
-            <a:r>
-              <a:rPr lang="en-GB" dirty="0" err="1"/>
-              <a:t>Qantum</a:t>
-            </a:r>
-            <a:r>
-              <a:rPr lang="en-GB" dirty="0"/>
-              <a:t> </a:t>
-            </a:r>
-            <a:r>
-              <a:rPr lang="ru-RU" dirty="0"/>
-              <a:t>работают под управлением ОС Linux, которая позволяет устанавливать сторонние приложения.</a:t>
-            </a:r>
-          </a:p>
-        </p:txBody>
-      </p:sp>
-      <p:sp>
-        <p:nvSpPr>
-          <p:cNvPr id="5" name="TextBox 4">
-            <a:extLst>
-              <a:ext uri="{FF2B5EF4-FFF2-40B4-BE49-F238E27FC236}">
-                <a16:creationId xmlns:a16="http://schemas.microsoft.com/office/drawing/2014/main" id="{2E537723-B2AC-4508-9A41-7498945ED521}"/>
-              </a:ext>
-            </a:extLst>
-          </p:cNvPr>
-          <p:cNvSpPr txBox="1"/>
-          <p:nvPr/>
-        </p:nvSpPr>
-        <p:spPr>
-          <a:xfrm>
-            <a:off x="838200" y="1373176"/>
-            <a:ext cx="6094070" cy="369332"/>
-          </a:xfrm>
-          <a:prstGeom prst="rect">
-            <a:avLst/>
-          </a:prstGeom>
-          <a:noFill/>
-        </p:spPr>
-        <p:txBody>
-          <a:bodyPr wrap="square">
-            <a:spAutoFit/>
-          </a:bodyPr>
-          <a:lstStyle/>
-          <a:p>
-            <a:pPr algn="l" fontAlgn="base"/>
-            <a:r>
-              <a:rPr lang="ru-RU" b="1" i="0" u="none" strike="noStrike" cap="all" dirty="0">
-                <a:solidFill>
-                  <a:srgbClr val="C39A49"/>
-                </a:solidFill>
-                <a:effectLst/>
-                <a:latin typeface="wfont_39ad6e_33aea89a2865424994966508773fdbf1"/>
-              </a:rPr>
-              <a:t>Инновационное, гибкое и отказоустойчивое</a:t>
-            </a:r>
-          </a:p>
-        </p:txBody>
-      </p:sp>
-      <p:pic>
-        <p:nvPicPr>
-          <p:cNvPr id="5122" name="Picture 2">
-            <a:extLst>
-              <a:ext uri="{FF2B5EF4-FFF2-40B4-BE49-F238E27FC236}">
-                <a16:creationId xmlns:a16="http://schemas.microsoft.com/office/drawing/2014/main" id="{38486B75-5434-4AEC-896A-8799AA9A0761}"/>
-              </a:ext>
-            </a:extLst>
-          </p:cNvPr>
-          <p:cNvPicPr>
-            <a:picLocks noChangeAspect="1" noChangeArrowheads="1"/>
-          </p:cNvPicPr>
-          <p:nvPr/>
-        </p:nvPicPr>
-        <p:blipFill>
-          <a:blip r:embed="rId2">
-            <a:extLst>
-              <a:ext uri="{28A0092B-C50C-407E-A947-70E740481C1C}">
-                <a14:useLocalDpi xmlns:a14="http://schemas.microsoft.com/office/drawing/2010/main" val="0"/>
-              </a:ext>
-            </a:extLst>
-          </a:blip>
-          <a:srcRect/>
-          <a:stretch>
-            <a:fillRect/>
-          </a:stretch>
-        </p:blipFill>
-        <p:spPr bwMode="auto">
-          <a:xfrm>
-            <a:off x="0" y="3044140"/>
-            <a:ext cx="5301215" cy="1494491"/>
-          </a:xfrm>
-          <a:prstGeom prst="rect">
-            <a:avLst/>
-          </a:prstGeom>
-          <a:noFill/>
-          <a:extLst>
-            <a:ext uri="{909E8E84-426E-40DD-AFC4-6F175D3DCCD1}">
-              <a14:hiddenFill xmlns:a14="http://schemas.microsoft.com/office/drawing/2010/main">
-                <a:solidFill>
-                  <a:srgbClr val="FFFFFF"/>
-                </a:solidFill>
-              </a14:hiddenFill>
-            </a:ext>
-          </a:extLst>
-        </p:spPr>
-      </p:pic>
-    </p:spTree>
-    <p:extLst>
-      <p:ext uri="{BB962C8B-B14F-4D97-AF65-F5344CB8AC3E}">
-        <p14:creationId xmlns:p14="http://schemas.microsoft.com/office/powerpoint/2010/main" val="719370144"/>
-      </p:ext>
-    </p:extLst>
-  </p:cSld>
-  <p:clrMapOvr>
-    <a:masterClrMapping/>
-  </p:clrMapOvr>
-</p:sld>
-</file>
-
-<file path=ppt/slides/slide11.xml><?xml version="1.0" encoding="utf-8"?>
-<p:sld xmlns:a="http://schemas.openxmlformats.org/drawingml/2006/main" xmlns:r="http://schemas.openxmlformats.org/officeDocument/2006/relationships" xmlns:p="http://schemas.openxmlformats.org/presentationml/2006/main">
-  <p:cSld>
-    <p:spTree>
-      <p:nvGrpSpPr>
-        <p:cNvPr id="1" name=""/>
-        <p:cNvGrpSpPr/>
-        <p:nvPr/>
-      </p:nvGrpSpPr>
-      <p:grpSpPr>
-        <a:xfrm>
-          <a:off x="0" y="0"/>
-          <a:ext cx="0" cy="0"/>
-          <a:chOff x="0" y="0"/>
-          <a:chExt cx="0" cy="0"/>
-        </a:xfrm>
-      </p:grpSpPr>
-      <p:sp>
-        <p:nvSpPr>
-          <p:cNvPr id="2" name="Заголовок 1">
-            <a:extLst>
-              <a:ext uri="{FF2B5EF4-FFF2-40B4-BE49-F238E27FC236}">
-                <a16:creationId xmlns:a16="http://schemas.microsoft.com/office/drawing/2014/main" id="{D65DF16D-299A-4906-834C-9D0E0FCA4143}"/>
-              </a:ext>
-            </a:extLst>
-          </p:cNvPr>
-          <p:cNvSpPr>
-            <a:spLocks noGrp="1"/>
-          </p:cNvSpPr>
-          <p:nvPr>
-            <p:ph type="title"/>
-          </p:nvPr>
-        </p:nvSpPr>
-        <p:spPr>
-          <a:xfrm>
-            <a:off x="768149" y="173478"/>
-            <a:ext cx="10515600" cy="1325563"/>
-          </a:xfrm>
-        </p:spPr>
-        <p:txBody>
-          <a:bodyPr/>
-          <a:lstStyle/>
-          <a:p>
-            <a:pPr algn="l" fontAlgn="base"/>
-            <a:r>
-              <a:rPr lang="ru-RU" b="1" i="0" u="none" strike="noStrike" cap="all" dirty="0">
-                <a:effectLst/>
-                <a:latin typeface="wfont_e588a2_e7097d7db2b34843a31400aec2089b83"/>
-              </a:rPr>
-              <a:t>решения для сервера синхронизации</a:t>
-            </a:r>
-          </a:p>
-        </p:txBody>
-      </p:sp>
-      <p:sp>
-        <p:nvSpPr>
-          <p:cNvPr id="3" name="Объект 2">
-            <a:extLst>
-              <a:ext uri="{FF2B5EF4-FFF2-40B4-BE49-F238E27FC236}">
-                <a16:creationId xmlns:a16="http://schemas.microsoft.com/office/drawing/2014/main" id="{AAFED50D-3C65-4083-A0C9-7C12DD4E4549}"/>
-              </a:ext>
-            </a:extLst>
-          </p:cNvPr>
-          <p:cNvSpPr>
-            <a:spLocks noGrp="1"/>
-          </p:cNvSpPr>
-          <p:nvPr>
-            <p:ph idx="1"/>
-          </p:nvPr>
-        </p:nvSpPr>
-        <p:spPr>
-          <a:xfrm>
-            <a:off x="4999660" y="2362962"/>
-            <a:ext cx="7002684" cy="4351338"/>
-          </a:xfrm>
-        </p:spPr>
-        <p:txBody>
-          <a:bodyPr>
-            <a:normAutofit fontScale="85000" lnSpcReduction="20000"/>
-          </a:bodyPr>
-          <a:lstStyle/>
-          <a:p>
-            <a:r>
-              <a:rPr lang="ru-RU" dirty="0"/>
-              <a:t>Ускорьте и упростите синхронизацию с помощью наших карт </a:t>
-            </a:r>
-            <a:r>
-              <a:rPr lang="ru-RU" dirty="0" err="1"/>
-              <a:t>PCIe</a:t>
-            </a:r>
-            <a:r>
-              <a:rPr lang="ru-RU" dirty="0"/>
-              <a:t> с разъемом «подключи и работай». Встроенные сетевые порты поддерживают IEEE-1588 PTP, NTP и </a:t>
-            </a:r>
-            <a:r>
-              <a:rPr lang="ru-RU" dirty="0" err="1"/>
-              <a:t>SyncE</a:t>
-            </a:r>
-            <a:r>
-              <a:rPr lang="ru-RU" dirty="0"/>
-              <a:t>, а также несколько частотных выходов, которые можно настроить в соответствии с любым вариантом использования в диапазоне от 1 Гц до 1 МГц.</a:t>
-            </a:r>
-          </a:p>
-          <a:p>
-            <a:pPr marL="0" indent="0">
-              <a:buNone/>
-            </a:pPr>
-            <a:endParaRPr lang="ru-RU" dirty="0"/>
-          </a:p>
-          <a:p>
-            <a:endParaRPr lang="ru-RU" dirty="0"/>
-          </a:p>
-          <a:p>
-            <a:r>
-              <a:rPr lang="ru-RU" dirty="0"/>
-              <a:t>Интегрируется с любым устройством со слотом </a:t>
-            </a:r>
-            <a:r>
-              <a:rPr lang="ru-RU" dirty="0" err="1"/>
-              <a:t>PCIe</a:t>
-            </a:r>
-            <a:r>
-              <a:rPr lang="ru-RU" dirty="0"/>
-              <a:t>. Надежные возможности PNT, в том числе защита от помех и подмены, делают его идеальным для любой критически важной инфраструктуры — от финансовой до оборонной.</a:t>
-            </a:r>
-          </a:p>
-        </p:txBody>
-      </p:sp>
-      <p:sp>
-        <p:nvSpPr>
-          <p:cNvPr id="5" name="TextBox 4">
-            <a:extLst>
-              <a:ext uri="{FF2B5EF4-FFF2-40B4-BE49-F238E27FC236}">
-                <a16:creationId xmlns:a16="http://schemas.microsoft.com/office/drawing/2014/main" id="{2E537723-B2AC-4508-9A41-7498945ED521}"/>
-              </a:ext>
-            </a:extLst>
-          </p:cNvPr>
-          <p:cNvSpPr txBox="1"/>
-          <p:nvPr/>
-        </p:nvSpPr>
-        <p:spPr>
-          <a:xfrm>
-            <a:off x="838200" y="1373176"/>
-            <a:ext cx="6094070" cy="369332"/>
-          </a:xfrm>
-          <a:prstGeom prst="rect">
-            <a:avLst/>
-          </a:prstGeom>
-          <a:noFill/>
-        </p:spPr>
-        <p:txBody>
-          <a:bodyPr wrap="square">
-            <a:spAutoFit/>
-          </a:bodyPr>
-          <a:lstStyle/>
-          <a:p>
-            <a:pPr algn="l" fontAlgn="base"/>
-            <a:r>
-              <a:rPr lang="ru-RU" b="1" i="0" u="none" strike="noStrike" cap="all" dirty="0">
-                <a:solidFill>
-                  <a:srgbClr val="C39A49"/>
-                </a:solidFill>
-                <a:effectLst/>
-                <a:latin typeface="wfont_39ad6e_33aea89a2865424994966508773fdbf1"/>
-              </a:rPr>
-              <a:t>Инновационное, гибкое и отказоустойчивое</a:t>
-            </a:r>
-          </a:p>
-        </p:txBody>
-      </p:sp>
-      <p:pic>
-        <p:nvPicPr>
-          <p:cNvPr id="6146" name="Picture 2">
-            <a:extLst>
-              <a:ext uri="{FF2B5EF4-FFF2-40B4-BE49-F238E27FC236}">
-                <a16:creationId xmlns:a16="http://schemas.microsoft.com/office/drawing/2014/main" id="{742DC905-650A-43B4-A2AA-46A031884A6F}"/>
-              </a:ext>
-            </a:extLst>
-          </p:cNvPr>
-          <p:cNvPicPr>
-            <a:picLocks noChangeAspect="1" noChangeArrowheads="1"/>
-          </p:cNvPicPr>
-          <p:nvPr/>
-        </p:nvPicPr>
-        <p:blipFill>
-          <a:blip r:embed="rId2">
-            <a:extLst>
-              <a:ext uri="{28A0092B-C50C-407E-A947-70E740481C1C}">
-                <a14:useLocalDpi xmlns:a14="http://schemas.microsoft.com/office/drawing/2010/main" val="0"/>
-              </a:ext>
-            </a:extLst>
-          </a:blip>
-          <a:srcRect/>
-          <a:stretch>
-            <a:fillRect/>
-          </a:stretch>
-        </p:blipFill>
-        <p:spPr bwMode="auto">
-          <a:xfrm>
-            <a:off x="610423" y="2164224"/>
-            <a:ext cx="4389237" cy="4101558"/>
-          </a:xfrm>
-          <a:prstGeom prst="rect">
-            <a:avLst/>
-          </a:prstGeom>
-          <a:noFill/>
-          <a:extLst>
-            <a:ext uri="{909E8E84-426E-40DD-AFC4-6F175D3DCCD1}">
-              <a14:hiddenFill xmlns:a14="http://schemas.microsoft.com/office/drawing/2010/main">
-                <a:solidFill>
-                  <a:srgbClr val="FFFFFF"/>
-                </a:solidFill>
-              </a14:hiddenFill>
-            </a:ext>
-          </a:extLst>
-        </p:spPr>
-      </p:pic>
-    </p:spTree>
-    <p:extLst>
-      <p:ext uri="{BB962C8B-B14F-4D97-AF65-F5344CB8AC3E}">
-        <p14:creationId xmlns:p14="http://schemas.microsoft.com/office/powerpoint/2010/main" val="3351763246"/>
       </p:ext>
     </p:extLst>
   </p:cSld>
